--- a/Screen Cast.pptx
+++ b/Screen Cast.pptx
@@ -5,7 +5,7 @@
     <p:sldMasterId id="2147483648" r:id="rId1"/>
   </p:sldMasterIdLst>
   <p:notesMasterIdLst>
-    <p:notesMasterId r:id="rId7"/>
+    <p:notesMasterId r:id="rId13"/>
   </p:notesMasterIdLst>
   <p:sldIdLst>
     <p:sldId id="256" r:id="rId2"/>
@@ -13,6 +13,12 @@
     <p:sldId id="258" r:id="rId4"/>
     <p:sldId id="259" r:id="rId5"/>
     <p:sldId id="260" r:id="rId6"/>
+    <p:sldId id="261" r:id="rId7"/>
+    <p:sldId id="262" r:id="rId8"/>
+    <p:sldId id="263" r:id="rId9"/>
+    <p:sldId id="264" r:id="rId10"/>
+    <p:sldId id="265" r:id="rId11"/>
+    <p:sldId id="266" r:id="rId12"/>
   </p:sldIdLst>
   <p:sldSz cx="12192000" cy="6858000"/>
   <p:notesSz cx="6858000" cy="9144000"/>
@@ -3706,6 +3712,176 @@
 </p:sld>
 </file>
 
+<file path=ppt/slides/slide10.xml><?xml version="1.0" encoding="utf-8"?>
+<p:sld xmlns:a="http://schemas.openxmlformats.org/drawingml/2006/main" xmlns:r="http://schemas.openxmlformats.org/officeDocument/2006/relationships" xmlns:p="http://schemas.openxmlformats.org/presentationml/2006/main">
+  <p:cSld>
+    <p:spTree>
+      <p:nvGrpSpPr>
+        <p:cNvPr id="1" name=""/>
+        <p:cNvGrpSpPr/>
+        <p:nvPr/>
+      </p:nvGrpSpPr>
+      <p:grpSpPr>
+        <a:xfrm>
+          <a:off x="0" y="0"/>
+          <a:ext cx="0" cy="0"/>
+          <a:chOff x="0" y="0"/>
+          <a:chExt cx="0" cy="0"/>
+        </a:xfrm>
+      </p:grpSpPr>
+      <p:sp>
+        <p:nvSpPr>
+          <p:cNvPr id="2" name="Title 1"/>
+          <p:cNvSpPr>
+            <a:spLocks noGrp="1"/>
+          </p:cNvSpPr>
+          <p:nvPr>
+            <p:ph type="title"/>
+          </p:nvPr>
+        </p:nvSpPr>
+        <p:spPr/>
+        <p:txBody>
+          <a:bodyPr/>
+          <a:lstStyle/>
+          <a:p>
+            <a:r>
+              <a:rPr lang="en-US" dirty="0" smtClean="0"/>
+              <a:t>Physician.- exploratory plots</a:t>
+            </a:r>
+            <a:endParaRPr lang="en-US" dirty="0"/>
+          </a:p>
+        </p:txBody>
+      </p:sp>
+      <p:sp>
+        <p:nvSpPr>
+          <p:cNvPr id="3" name="Content Placeholder 2"/>
+          <p:cNvSpPr>
+            <a:spLocks noGrp="1"/>
+          </p:cNvSpPr>
+          <p:nvPr>
+            <p:ph idx="1"/>
+          </p:nvPr>
+        </p:nvSpPr>
+        <p:spPr/>
+        <p:txBody>
+          <a:bodyPr/>
+          <a:lstStyle/>
+          <a:p>
+            <a:endParaRPr lang="en-US"/>
+          </a:p>
+        </p:txBody>
+      </p:sp>
+    </p:spTree>
+    <p:extLst>
+      <p:ext uri="{BB962C8B-B14F-4D97-AF65-F5344CB8AC3E}">
+        <p14:creationId xmlns:p14="http://schemas.microsoft.com/office/powerpoint/2010/main" val="61510749"/>
+      </p:ext>
+    </p:extLst>
+  </p:cSld>
+  <p:clrMapOvr>
+    <a:masterClrMapping/>
+  </p:clrMapOvr>
+  <p:timing>
+    <p:tnLst>
+      <p:par>
+        <p:cTn id="1" dur="indefinite" restart="never" nodeType="tmRoot"/>
+      </p:par>
+    </p:tnLst>
+  </p:timing>
+</p:sld>
+</file>
+
+<file path=ppt/slides/slide11.xml><?xml version="1.0" encoding="utf-8"?>
+<p:sld xmlns:a="http://schemas.openxmlformats.org/drawingml/2006/main" xmlns:r="http://schemas.openxmlformats.org/officeDocument/2006/relationships" xmlns:p="http://schemas.openxmlformats.org/presentationml/2006/main">
+  <p:cSld>
+    <p:spTree>
+      <p:nvGrpSpPr>
+        <p:cNvPr id="1" name=""/>
+        <p:cNvGrpSpPr/>
+        <p:nvPr/>
+      </p:nvGrpSpPr>
+      <p:grpSpPr>
+        <a:xfrm>
+          <a:off x="0" y="0"/>
+          <a:ext cx="0" cy="0"/>
+          <a:chOff x="0" y="0"/>
+          <a:chExt cx="0" cy="0"/>
+        </a:xfrm>
+      </p:grpSpPr>
+      <p:sp>
+        <p:nvSpPr>
+          <p:cNvPr id="2" name="Title 1"/>
+          <p:cNvSpPr>
+            <a:spLocks noGrp="1"/>
+          </p:cNvSpPr>
+          <p:nvPr>
+            <p:ph type="title"/>
+          </p:nvPr>
+        </p:nvSpPr>
+        <p:spPr/>
+        <p:txBody>
+          <a:bodyPr/>
+          <a:lstStyle/>
+          <a:p>
+            <a:r>
+              <a:rPr lang="en-US" dirty="0" smtClean="0"/>
+              <a:t>Summary </a:t>
+            </a:r>
+            <a:r>
+              <a:rPr lang="mr-IN" dirty="0" smtClean="0"/>
+              <a:t>–</a:t>
+            </a:r>
+            <a:r>
+              <a:rPr lang="en-US" dirty="0" smtClean="0"/>
+              <a:t> what type of physicians are more likely to use EHR</a:t>
+            </a:r>
+            <a:r>
+              <a:rPr lang="en-US" smtClean="0"/>
+              <a:t>? </a:t>
+            </a:r>
+            <a:endParaRPr lang="en-US" dirty="0"/>
+          </a:p>
+        </p:txBody>
+      </p:sp>
+      <p:sp>
+        <p:nvSpPr>
+          <p:cNvPr id="3" name="Content Placeholder 2"/>
+          <p:cNvSpPr>
+            <a:spLocks noGrp="1"/>
+          </p:cNvSpPr>
+          <p:nvPr>
+            <p:ph idx="1"/>
+          </p:nvPr>
+        </p:nvSpPr>
+        <p:spPr/>
+        <p:txBody>
+          <a:bodyPr/>
+          <a:lstStyle/>
+          <a:p>
+            <a:endParaRPr lang="en-US"/>
+          </a:p>
+        </p:txBody>
+      </p:sp>
+    </p:spTree>
+    <p:extLst>
+      <p:ext uri="{BB962C8B-B14F-4D97-AF65-F5344CB8AC3E}">
+        <p14:creationId xmlns:p14="http://schemas.microsoft.com/office/powerpoint/2010/main" val="590552944"/>
+      </p:ext>
+    </p:extLst>
+  </p:cSld>
+  <p:clrMapOvr>
+    <a:masterClrMapping/>
+  </p:clrMapOvr>
+  <p:timing>
+    <p:tnLst>
+      <p:par>
+        <p:cTn id="1" dur="indefinite" restart="never" nodeType="tmRoot"/>
+      </p:par>
+    </p:tnLst>
+  </p:timing>
+</p:sld>
+</file>
+
 <file path=ppt/slides/slide2.xml><?xml version="1.0" encoding="utf-8"?>
 <p:sld xmlns:a="http://schemas.openxmlformats.org/drawingml/2006/main" xmlns:r="http://schemas.openxmlformats.org/officeDocument/2006/relationships" xmlns:p="http://schemas.openxmlformats.org/presentationml/2006/main">
   <p:cSld>
@@ -4166,9 +4342,27 @@
           <a:p>
             <a:r>
               <a:rPr lang="en-US" dirty="0" smtClean="0"/>
-              <a:t>As of 2017, []% of U.S. Hospitals have adopted Electronic health Records </a:t>
-            </a:r>
-            <a:endParaRPr lang="en-US" dirty="0"/>
+              <a:t>As of 2017, []% of U.S. Hospitals have adopted Electronic health Records.</a:t>
+            </a:r>
+          </a:p>
+          <a:p>
+            <a:r>
+              <a:rPr lang="en-US" dirty="0" smtClean="0"/>
+              <a:t>Among 3,334 hospitals scraped from American Hospital Directory, summary </a:t>
+            </a:r>
+            <a:r>
+              <a:rPr lang="en-US" dirty="0"/>
+              <a:t>statistics of </a:t>
+            </a:r>
+            <a:r>
+              <a:rPr lang="en-US" dirty="0" smtClean="0"/>
+              <a:t>staffed beds, gross patient revenue </a:t>
+            </a:r>
+            <a:r>
+              <a:rPr lang="en-US" dirty="0"/>
+              <a:t> total discharges, patient days</a:t>
+            </a:r>
+            <a:endParaRPr lang="en-US" dirty="0" smtClean="0"/>
           </a:p>
         </p:txBody>
       </p:sp>
@@ -4176,6 +4370,619 @@
     <p:extLst>
       <p:ext uri="{BB962C8B-B14F-4D97-AF65-F5344CB8AC3E}">
         <p14:creationId xmlns:p14="http://schemas.microsoft.com/office/powerpoint/2010/main" val="1531909163"/>
+      </p:ext>
+    </p:extLst>
+  </p:cSld>
+  <p:clrMapOvr>
+    <a:masterClrMapping/>
+  </p:clrMapOvr>
+  <p:timing>
+    <p:tnLst>
+      <p:par>
+        <p:cTn id="1" dur="indefinite" restart="never" nodeType="tmRoot"/>
+      </p:par>
+    </p:tnLst>
+  </p:timing>
+</p:sld>
+</file>
+
+<file path=ppt/slides/slide6.xml><?xml version="1.0" encoding="utf-8"?>
+<p:sld xmlns:a="http://schemas.openxmlformats.org/drawingml/2006/main" xmlns:r="http://schemas.openxmlformats.org/officeDocument/2006/relationships" xmlns:p="http://schemas.openxmlformats.org/presentationml/2006/main">
+  <p:cSld>
+    <p:spTree>
+      <p:nvGrpSpPr>
+        <p:cNvPr id="1" name=""/>
+        <p:cNvGrpSpPr/>
+        <p:nvPr/>
+      </p:nvGrpSpPr>
+      <p:grpSpPr>
+        <a:xfrm>
+          <a:off x="0" y="0"/>
+          <a:ext cx="0" cy="0"/>
+          <a:chOff x="0" y="0"/>
+          <a:chExt cx="0" cy="0"/>
+        </a:xfrm>
+      </p:grpSpPr>
+      <p:sp>
+        <p:nvSpPr>
+          <p:cNvPr id="2" name="Title 1"/>
+          <p:cNvSpPr>
+            <a:spLocks noGrp="1"/>
+          </p:cNvSpPr>
+          <p:nvPr>
+            <p:ph type="title"/>
+          </p:nvPr>
+        </p:nvSpPr>
+        <p:spPr/>
+        <p:txBody>
+          <a:bodyPr/>
+          <a:lstStyle/>
+          <a:p>
+            <a:r>
+              <a:rPr lang="en-US" dirty="0" smtClean="0"/>
+              <a:t>Correlations </a:t>
+            </a:r>
+            <a:endParaRPr lang="en-US" dirty="0"/>
+          </a:p>
+        </p:txBody>
+      </p:sp>
+      <p:sp>
+        <p:nvSpPr>
+          <p:cNvPr id="5" name="Content Placeholder 4"/>
+          <p:cNvSpPr>
+            <a:spLocks noGrp="1"/>
+          </p:cNvSpPr>
+          <p:nvPr>
+            <p:ph idx="1"/>
+          </p:nvPr>
+        </p:nvSpPr>
+        <p:spPr/>
+        <p:txBody>
+          <a:bodyPr/>
+          <a:lstStyle/>
+          <a:p>
+            <a:r>
+              <a:rPr lang="en-US" dirty="0" smtClean="0"/>
+              <a:t>Plot: EHR </a:t>
+            </a:r>
+            <a:r>
+              <a:rPr lang="mr-IN" dirty="0" smtClean="0"/>
+              <a:t>–</a:t>
+            </a:r>
+            <a:r>
+              <a:rPr lang="en-US" dirty="0" smtClean="0"/>
+              <a:t> staffed beds, grouped by revenue </a:t>
+            </a:r>
+          </a:p>
+          <a:p>
+            <a:r>
+              <a:rPr lang="en-US" dirty="0" smtClean="0"/>
+              <a:t>OR</a:t>
+            </a:r>
+          </a:p>
+          <a:p>
+            <a:r>
+              <a:rPr lang="en-US" dirty="0" smtClean="0"/>
+              <a:t>Plot: EHR-</a:t>
+            </a:r>
+            <a:r>
+              <a:rPr lang="mr-IN" dirty="0" smtClean="0"/>
+              <a:t>–</a:t>
+            </a:r>
+            <a:r>
+              <a:rPr lang="en-US" dirty="0" smtClean="0"/>
+              <a:t>revenue, EHR-staffed beds</a:t>
+            </a:r>
+            <a:endParaRPr lang="en-US" dirty="0"/>
+          </a:p>
+        </p:txBody>
+      </p:sp>
+    </p:spTree>
+    <p:extLst>
+      <p:ext uri="{BB962C8B-B14F-4D97-AF65-F5344CB8AC3E}">
+        <p14:creationId xmlns:p14="http://schemas.microsoft.com/office/powerpoint/2010/main" val="309321810"/>
+      </p:ext>
+    </p:extLst>
+  </p:cSld>
+  <p:clrMapOvr>
+    <a:masterClrMapping/>
+  </p:clrMapOvr>
+  <p:timing>
+    <p:tnLst>
+      <p:par>
+        <p:cTn id="1" dur="indefinite" restart="never" nodeType="tmRoot"/>
+      </p:par>
+    </p:tnLst>
+  </p:timing>
+</p:sld>
+</file>
+
+<file path=ppt/slides/slide7.xml><?xml version="1.0" encoding="utf-8"?>
+<p:sld xmlns:a="http://schemas.openxmlformats.org/drawingml/2006/main" xmlns:r="http://schemas.openxmlformats.org/officeDocument/2006/relationships" xmlns:p="http://schemas.openxmlformats.org/presentationml/2006/main">
+  <p:cSld>
+    <p:spTree>
+      <p:nvGrpSpPr>
+        <p:cNvPr id="1" name=""/>
+        <p:cNvGrpSpPr/>
+        <p:nvPr/>
+      </p:nvGrpSpPr>
+      <p:grpSpPr>
+        <a:xfrm>
+          <a:off x="0" y="0"/>
+          <a:ext cx="0" cy="0"/>
+          <a:chOff x="0" y="0"/>
+          <a:chExt cx="0" cy="0"/>
+        </a:xfrm>
+      </p:grpSpPr>
+      <p:pic>
+        <p:nvPicPr>
+          <p:cNvPr id="5" name="Content Placeholder 4"/>
+          <p:cNvPicPr>
+            <a:picLocks noGrp="1" noChangeAspect="1"/>
+          </p:cNvPicPr>
+          <p:nvPr>
+            <p:ph sz="half" idx="1"/>
+          </p:nvPr>
+        </p:nvPicPr>
+        <p:blipFill>
+          <a:blip r:embed="rId2">
+            <a:extLst>
+              <a:ext uri="{28A0092B-C50C-407E-A947-70E740481C1C}">
+                <a14:useLocalDpi xmlns:a14="http://schemas.microsoft.com/office/drawing/2010/main" val="0"/>
+              </a:ext>
+            </a:extLst>
+          </a:blip>
+          <a:stretch>
+            <a:fillRect/>
+          </a:stretch>
+        </p:blipFill>
+        <p:spPr>
+          <a:xfrm>
+            <a:off x="1057388" y="356053"/>
+            <a:ext cx="4351338" cy="4351338"/>
+          </a:xfrm>
+        </p:spPr>
+      </p:pic>
+      <p:pic>
+        <p:nvPicPr>
+          <p:cNvPr id="6" name="Content Placeholder 5"/>
+          <p:cNvPicPr>
+            <a:picLocks noGrp="1" noChangeAspect="1"/>
+          </p:cNvPicPr>
+          <p:nvPr>
+            <p:ph sz="half" idx="2"/>
+          </p:nvPr>
+        </p:nvPicPr>
+        <p:blipFill>
+          <a:blip r:embed="rId3">
+            <a:extLst>
+              <a:ext uri="{28A0092B-C50C-407E-A947-70E740481C1C}">
+                <a14:useLocalDpi xmlns:a14="http://schemas.microsoft.com/office/drawing/2010/main" val="0"/>
+              </a:ext>
+            </a:extLst>
+          </a:blip>
+          <a:stretch>
+            <a:fillRect/>
+          </a:stretch>
+        </p:blipFill>
+        <p:spPr>
+          <a:xfrm>
+            <a:off x="6418943" y="356053"/>
+            <a:ext cx="4880428" cy="4351338"/>
+          </a:xfrm>
+        </p:spPr>
+      </p:pic>
+      <p:sp>
+        <p:nvSpPr>
+          <p:cNvPr id="7" name="TextBox 6"/>
+          <p:cNvSpPr txBox="1"/>
+          <p:nvPr/>
+        </p:nvSpPr>
+        <p:spPr>
+          <a:xfrm>
+            <a:off x="1057388" y="5094514"/>
+            <a:ext cx="9719469" cy="923330"/>
+          </a:xfrm>
+          <a:prstGeom prst="rect">
+            <a:avLst/>
+          </a:prstGeom>
+          <a:noFill/>
+        </p:spPr>
+        <p:txBody>
+          <a:bodyPr wrap="square" rtlCol="0">
+            <a:spAutoFit/>
+          </a:bodyPr>
+          <a:lstStyle/>
+          <a:p>
+            <a:pPr marL="285750" indent="-285750">
+              <a:buFont typeface="Arial" charset="0"/>
+              <a:buChar char="•"/>
+            </a:pPr>
+            <a:r>
+              <a:rPr lang="en-US" dirty="0" smtClean="0"/>
+              <a:t>Greater amount of revenue</a:t>
+            </a:r>
+          </a:p>
+          <a:p>
+            <a:pPr marL="285750" indent="-285750">
+              <a:buFont typeface="Arial" charset="0"/>
+              <a:buChar char="•"/>
+            </a:pPr>
+            <a:r>
+              <a:rPr lang="en-US" dirty="0" smtClean="0"/>
+              <a:t>Greater number of staffed beds</a:t>
+            </a:r>
+          </a:p>
+          <a:p>
+            <a:pPr marL="285750" indent="-285750">
+              <a:buFont typeface="Arial" charset="0"/>
+              <a:buChar char="•"/>
+            </a:pPr>
+            <a:r>
+              <a:rPr lang="en-US" dirty="0" smtClean="0"/>
+              <a:t>Number of total discharge and patient days</a:t>
+            </a:r>
+            <a:endParaRPr lang="en-US" dirty="0"/>
+          </a:p>
+        </p:txBody>
+      </p:sp>
+    </p:spTree>
+    <p:extLst>
+      <p:ext uri="{BB962C8B-B14F-4D97-AF65-F5344CB8AC3E}">
+        <p14:creationId xmlns:p14="http://schemas.microsoft.com/office/powerpoint/2010/main" val="1749669319"/>
+      </p:ext>
+    </p:extLst>
+  </p:cSld>
+  <p:clrMapOvr>
+    <a:masterClrMapping/>
+  </p:clrMapOvr>
+  <p:timing>
+    <p:tnLst>
+      <p:par>
+        <p:cTn id="1" dur="indefinite" restart="never" nodeType="tmRoot"/>
+      </p:par>
+    </p:tnLst>
+  </p:timing>
+</p:sld>
+</file>
+
+<file path=ppt/slides/slide8.xml><?xml version="1.0" encoding="utf-8"?>
+<p:sld xmlns:a="http://schemas.openxmlformats.org/drawingml/2006/main" xmlns:r="http://schemas.openxmlformats.org/officeDocument/2006/relationships" xmlns:p="http://schemas.openxmlformats.org/presentationml/2006/main">
+  <p:cSld>
+    <p:spTree>
+      <p:nvGrpSpPr>
+        <p:cNvPr id="1" name=""/>
+        <p:cNvGrpSpPr/>
+        <p:nvPr/>
+      </p:nvGrpSpPr>
+      <p:grpSpPr>
+        <a:xfrm>
+          <a:off x="0" y="0"/>
+          <a:ext cx="0" cy="0"/>
+          <a:chOff x="0" y="0"/>
+          <a:chExt cx="0" cy="0"/>
+        </a:xfrm>
+      </p:grpSpPr>
+      <p:pic>
+        <p:nvPicPr>
+          <p:cNvPr id="4" name="Picture 3"/>
+          <p:cNvPicPr>
+            <a:picLocks noChangeAspect="1"/>
+          </p:cNvPicPr>
+          <p:nvPr/>
+        </p:nvPicPr>
+        <p:blipFill rotWithShape="1">
+          <a:blip r:embed="rId2"/>
+          <a:srcRect l="-235" r="235"/>
+          <a:stretch/>
+        </p:blipFill>
+        <p:spPr>
+          <a:xfrm>
+            <a:off x="2267450" y="610054"/>
+            <a:ext cx="6928961" cy="5971179"/>
+          </a:xfrm>
+          <a:prstGeom prst="rect">
+            <a:avLst/>
+          </a:prstGeom>
+        </p:spPr>
+      </p:pic>
+      <p:sp>
+        <p:nvSpPr>
+          <p:cNvPr id="2" name="Title 1"/>
+          <p:cNvSpPr>
+            <a:spLocks noGrp="1"/>
+          </p:cNvSpPr>
+          <p:nvPr>
+            <p:ph type="title"/>
+          </p:nvPr>
+        </p:nvSpPr>
+        <p:spPr>
+          <a:xfrm>
+            <a:off x="3173185" y="610054"/>
+            <a:ext cx="5350330" cy="1325563"/>
+          </a:xfrm>
+        </p:spPr>
+        <p:txBody>
+          <a:bodyPr/>
+          <a:lstStyle/>
+          <a:p>
+            <a:r>
+              <a:rPr lang="en-US" b="1" smtClean="0">
+                <a:latin typeface="Abadi MT Condensed Extra Bold" charset="0"/>
+                <a:ea typeface="Abadi MT Condensed Extra Bold" charset="0"/>
+                <a:cs typeface="Abadi MT Condensed Extra Bold" charset="0"/>
+              </a:rPr>
+              <a:t>Individual </a:t>
+            </a:r>
+            <a:r>
+              <a:rPr lang="en-US" b="1" dirty="0" smtClean="0">
+                <a:latin typeface="Abadi MT Condensed Extra Bold" charset="0"/>
+                <a:ea typeface="Abadi MT Condensed Extra Bold" charset="0"/>
+                <a:cs typeface="Abadi MT Condensed Extra Bold" charset="0"/>
+              </a:rPr>
+              <a:t>Practitioners</a:t>
+            </a:r>
+            <a:endParaRPr lang="en-US" b="1" dirty="0">
+              <a:latin typeface="Abadi MT Condensed Extra Bold" charset="0"/>
+              <a:ea typeface="Abadi MT Condensed Extra Bold" charset="0"/>
+              <a:cs typeface="Abadi MT Condensed Extra Bold" charset="0"/>
+            </a:endParaRPr>
+          </a:p>
+        </p:txBody>
+      </p:sp>
+    </p:spTree>
+    <p:extLst>
+      <p:ext uri="{BB962C8B-B14F-4D97-AF65-F5344CB8AC3E}">
+        <p14:creationId xmlns:p14="http://schemas.microsoft.com/office/powerpoint/2010/main" val="168770437"/>
+      </p:ext>
+    </p:extLst>
+  </p:cSld>
+  <p:clrMapOvr>
+    <a:masterClrMapping/>
+  </p:clrMapOvr>
+  <p:timing>
+    <p:tnLst>
+      <p:par>
+        <p:cTn id="1" dur="indefinite" restart="never" nodeType="tmRoot">
+          <p:childTnLst>
+            <p:seq concurrent="1" nextAc="seek">
+              <p:cTn id="2" dur="indefinite" nodeType="mainSeq">
+                <p:childTnLst>
+                  <p:par>
+                    <p:cTn id="3" fill="hold">
+                      <p:stCondLst>
+                        <p:cond delay="indefinite"/>
+                      </p:stCondLst>
+                      <p:childTnLst>
+                        <p:par>
+                          <p:cTn id="4" fill="hold">
+                            <p:stCondLst>
+                              <p:cond delay="0"/>
+                            </p:stCondLst>
+                            <p:childTnLst>
+                              <p:par>
+                                <p:cTn id="5" presetID="1" presetClass="entr" presetSubtype="0" fill="hold" nodeType="clickEffect">
+                                  <p:stCondLst>
+                                    <p:cond delay="0"/>
+                                  </p:stCondLst>
+                                  <p:childTnLst>
+                                    <p:set>
+                                      <p:cBhvr>
+                                        <p:cTn id="6" dur="1" fill="hold">
+                                          <p:stCondLst>
+                                            <p:cond delay="0"/>
+                                          </p:stCondLst>
+                                        </p:cTn>
+                                        <p:tgtEl>
+                                          <p:spTgt spid="4"/>
+                                        </p:tgtEl>
+                                        <p:attrNameLst>
+                                          <p:attrName>style.visibility</p:attrName>
+                                        </p:attrNameLst>
+                                      </p:cBhvr>
+                                      <p:to>
+                                        <p:strVal val="visible"/>
+                                      </p:to>
+                                    </p:set>
+                                  </p:childTnLst>
+                                </p:cTn>
+                              </p:par>
+                            </p:childTnLst>
+                          </p:cTn>
+                        </p:par>
+                      </p:childTnLst>
+                    </p:cTn>
+                  </p:par>
+                  <p:par>
+                    <p:cTn id="7" fill="hold">
+                      <p:stCondLst>
+                        <p:cond delay="indefinite"/>
+                      </p:stCondLst>
+                      <p:childTnLst>
+                        <p:par>
+                          <p:cTn id="8" fill="hold">
+                            <p:stCondLst>
+                              <p:cond delay="0"/>
+                            </p:stCondLst>
+                            <p:childTnLst>
+                              <p:par>
+                                <p:cTn id="9" presetID="2" presetClass="entr" presetSubtype="4" fill="hold" grpId="0" nodeType="clickEffect">
+                                  <p:stCondLst>
+                                    <p:cond delay="0"/>
+                                  </p:stCondLst>
+                                  <p:childTnLst>
+                                    <p:set>
+                                      <p:cBhvr>
+                                        <p:cTn id="10" dur="1" fill="hold">
+                                          <p:stCondLst>
+                                            <p:cond delay="0"/>
+                                          </p:stCondLst>
+                                        </p:cTn>
+                                        <p:tgtEl>
+                                          <p:spTgt spid="2"/>
+                                        </p:tgtEl>
+                                        <p:attrNameLst>
+                                          <p:attrName>style.visibility</p:attrName>
+                                        </p:attrNameLst>
+                                      </p:cBhvr>
+                                      <p:to>
+                                        <p:strVal val="visible"/>
+                                      </p:to>
+                                    </p:set>
+                                    <p:anim calcmode="lin" valueType="num">
+                                      <p:cBhvr additive="base">
+                                        <p:cTn id="11" dur="500" fill="hold"/>
+                                        <p:tgtEl>
+                                          <p:spTgt spid="2"/>
+                                        </p:tgtEl>
+                                        <p:attrNameLst>
+                                          <p:attrName>ppt_x</p:attrName>
+                                        </p:attrNameLst>
+                                      </p:cBhvr>
+                                      <p:tavLst>
+                                        <p:tav tm="0">
+                                          <p:val>
+                                            <p:strVal val="#ppt_x"/>
+                                          </p:val>
+                                        </p:tav>
+                                        <p:tav tm="100000">
+                                          <p:val>
+                                            <p:strVal val="#ppt_x"/>
+                                          </p:val>
+                                        </p:tav>
+                                      </p:tavLst>
+                                    </p:anim>
+                                    <p:anim calcmode="lin" valueType="num">
+                                      <p:cBhvr additive="base">
+                                        <p:cTn id="12" dur="500" fill="hold"/>
+                                        <p:tgtEl>
+                                          <p:spTgt spid="2"/>
+                                        </p:tgtEl>
+                                        <p:attrNameLst>
+                                          <p:attrName>ppt_y</p:attrName>
+                                        </p:attrNameLst>
+                                      </p:cBhvr>
+                                      <p:tavLst>
+                                        <p:tav tm="0">
+                                          <p:val>
+                                            <p:strVal val="1+#ppt_h/2"/>
+                                          </p:val>
+                                        </p:tav>
+                                        <p:tav tm="100000">
+                                          <p:val>
+                                            <p:strVal val="#ppt_y"/>
+                                          </p:val>
+                                        </p:tav>
+                                      </p:tavLst>
+                                    </p:anim>
+                                  </p:childTnLst>
+                                </p:cTn>
+                              </p:par>
+                            </p:childTnLst>
+                          </p:cTn>
+                        </p:par>
+                      </p:childTnLst>
+                    </p:cTn>
+                  </p:par>
+                </p:childTnLst>
+              </p:cTn>
+              <p:prevCondLst>
+                <p:cond evt="onPrev" delay="0">
+                  <p:tgtEl>
+                    <p:sldTgt/>
+                  </p:tgtEl>
+                </p:cond>
+              </p:prevCondLst>
+              <p:nextCondLst>
+                <p:cond evt="onNext" delay="0">
+                  <p:tgtEl>
+                    <p:sldTgt/>
+                  </p:tgtEl>
+                </p:cond>
+              </p:nextCondLst>
+            </p:seq>
+          </p:childTnLst>
+        </p:cTn>
+      </p:par>
+    </p:tnLst>
+    <p:bldLst>
+      <p:bldP spid="2" grpId="0"/>
+    </p:bldLst>
+  </p:timing>
+</p:sld>
+</file>
+
+<file path=ppt/slides/slide9.xml><?xml version="1.0" encoding="utf-8"?>
+<p:sld xmlns:a="http://schemas.openxmlformats.org/drawingml/2006/main" xmlns:r="http://schemas.openxmlformats.org/officeDocument/2006/relationships" xmlns:p="http://schemas.openxmlformats.org/presentationml/2006/main">
+  <p:cSld>
+    <p:spTree>
+      <p:nvGrpSpPr>
+        <p:cNvPr id="1" name=""/>
+        <p:cNvGrpSpPr/>
+        <p:nvPr/>
+      </p:nvGrpSpPr>
+      <p:grpSpPr>
+        <a:xfrm>
+          <a:off x="0" y="0"/>
+          <a:ext cx="0" cy="0"/>
+          <a:chOff x="0" y="0"/>
+          <a:chExt cx="0" cy="0"/>
+        </a:xfrm>
+      </p:grpSpPr>
+      <p:sp>
+        <p:nvSpPr>
+          <p:cNvPr id="2" name="Title 1"/>
+          <p:cNvSpPr>
+            <a:spLocks noGrp="1"/>
+          </p:cNvSpPr>
+          <p:nvPr>
+            <p:ph type="title"/>
+          </p:nvPr>
+        </p:nvSpPr>
+        <p:spPr/>
+        <p:txBody>
+          <a:bodyPr/>
+          <a:lstStyle/>
+          <a:p>
+            <a:r>
+              <a:rPr lang="en-US" dirty="0" smtClean="0"/>
+              <a:t>Practitioner demo </a:t>
+            </a:r>
+            <a:r>
+              <a:rPr lang="mr-IN" dirty="0" smtClean="0"/>
+              <a:t>–</a:t>
+            </a:r>
+            <a:r>
+              <a:rPr lang="en-US" dirty="0" smtClean="0"/>
+              <a:t> EHR use</a:t>
+            </a:r>
+            <a:endParaRPr lang="en-US" dirty="0"/>
+          </a:p>
+        </p:txBody>
+      </p:sp>
+      <p:sp>
+        <p:nvSpPr>
+          <p:cNvPr id="3" name="Content Placeholder 2"/>
+          <p:cNvSpPr>
+            <a:spLocks noGrp="1"/>
+          </p:cNvSpPr>
+          <p:nvPr>
+            <p:ph idx="1"/>
+          </p:nvPr>
+        </p:nvSpPr>
+        <p:spPr/>
+        <p:txBody>
+          <a:bodyPr/>
+          <a:lstStyle/>
+          <a:p>
+            <a:endParaRPr lang="en-US"/>
+          </a:p>
+        </p:txBody>
+      </p:sp>
+    </p:spTree>
+    <p:extLst>
+      <p:ext uri="{BB962C8B-B14F-4D97-AF65-F5344CB8AC3E}">
+        <p14:creationId xmlns:p14="http://schemas.microsoft.com/office/powerpoint/2010/main" val="680747988"/>
       </p:ext>
     </p:extLst>
   </p:cSld>
